--- a/_umkc-teaching/slides/Lecture11.pptx
+++ b/_umkc-teaching/slides/Lecture11.pptx
@@ -5,7 +5,7 @@
     <p:sldMasterId id="2147483660" r:id="rId1"/>
   </p:sldMasterIdLst>
   <p:notesMasterIdLst>
-    <p:notesMasterId r:id="rId27"/>
+    <p:notesMasterId r:id="rId33"/>
   </p:notesMasterIdLst>
   <p:sldIdLst>
     <p:sldId id="257" r:id="rId2"/>
@@ -21,18 +21,24 @@
     <p:sldId id="423" r:id="rId12"/>
     <p:sldId id="425" r:id="rId13"/>
     <p:sldId id="426" r:id="rId14"/>
-    <p:sldId id="412" r:id="rId15"/>
-    <p:sldId id="413" r:id="rId16"/>
-    <p:sldId id="415" r:id="rId17"/>
-    <p:sldId id="416" r:id="rId18"/>
-    <p:sldId id="417" r:id="rId19"/>
-    <p:sldId id="418" r:id="rId20"/>
-    <p:sldId id="419" r:id="rId21"/>
-    <p:sldId id="420" r:id="rId22"/>
-    <p:sldId id="427" r:id="rId23"/>
-    <p:sldId id="421" r:id="rId24"/>
-    <p:sldId id="428" r:id="rId25"/>
-    <p:sldId id="429" r:id="rId26"/>
+    <p:sldId id="434" r:id="rId15"/>
+    <p:sldId id="412" r:id="rId16"/>
+    <p:sldId id="413" r:id="rId17"/>
+    <p:sldId id="415" r:id="rId18"/>
+    <p:sldId id="416" r:id="rId19"/>
+    <p:sldId id="417" r:id="rId20"/>
+    <p:sldId id="418" r:id="rId21"/>
+    <p:sldId id="419" r:id="rId22"/>
+    <p:sldId id="420" r:id="rId23"/>
+    <p:sldId id="427" r:id="rId24"/>
+    <p:sldId id="421" r:id="rId25"/>
+    <p:sldId id="428" r:id="rId26"/>
+    <p:sldId id="429" r:id="rId27"/>
+    <p:sldId id="430" r:id="rId28"/>
+    <p:sldId id="431" r:id="rId29"/>
+    <p:sldId id="433" r:id="rId30"/>
+    <p:sldId id="435" r:id="rId31"/>
+    <p:sldId id="436" r:id="rId32"/>
   </p:sldIdLst>
   <p:sldSz cx="12192000" cy="6858000"/>
   <p:notesSz cx="6858000" cy="9144000"/>
@@ -923,7 +929,7 @@
     </p:spTree>
     <p:extLst>
       <p:ext uri="{BB962C8B-B14F-4D97-AF65-F5344CB8AC3E}">
-        <p14:creationId xmlns:p14="http://schemas.microsoft.com/office/powerpoint/2010/main" val="4083628666"/>
+        <p14:creationId xmlns:p14="http://schemas.microsoft.com/office/powerpoint/2010/main" val="536268461"/>
       </p:ext>
     </p:extLst>
   </p:cSld>
@@ -1012,7 +1018,7 @@
     </p:spTree>
     <p:extLst>
       <p:ext uri="{BB962C8B-B14F-4D97-AF65-F5344CB8AC3E}">
-        <p14:creationId xmlns:p14="http://schemas.microsoft.com/office/powerpoint/2010/main" val="1644693873"/>
+        <p14:creationId xmlns:p14="http://schemas.microsoft.com/office/powerpoint/2010/main" val="4083628666"/>
       </p:ext>
     </p:extLst>
   </p:cSld>
@@ -1101,7 +1107,7 @@
     </p:spTree>
     <p:extLst>
       <p:ext uri="{BB962C8B-B14F-4D97-AF65-F5344CB8AC3E}">
-        <p14:creationId xmlns:p14="http://schemas.microsoft.com/office/powerpoint/2010/main" val="535827269"/>
+        <p14:creationId xmlns:p14="http://schemas.microsoft.com/office/powerpoint/2010/main" val="1644693873"/>
       </p:ext>
     </p:extLst>
   </p:cSld>
@@ -1190,7 +1196,7 @@
     </p:spTree>
     <p:extLst>
       <p:ext uri="{BB962C8B-B14F-4D97-AF65-F5344CB8AC3E}">
-        <p14:creationId xmlns:p14="http://schemas.microsoft.com/office/powerpoint/2010/main" val="2717692574"/>
+        <p14:creationId xmlns:p14="http://schemas.microsoft.com/office/powerpoint/2010/main" val="535827269"/>
       </p:ext>
     </p:extLst>
   </p:cSld>
@@ -1279,7 +1285,7 @@
     </p:spTree>
     <p:extLst>
       <p:ext uri="{BB962C8B-B14F-4D97-AF65-F5344CB8AC3E}">
-        <p14:creationId xmlns:p14="http://schemas.microsoft.com/office/powerpoint/2010/main" val="745538108"/>
+        <p14:creationId xmlns:p14="http://schemas.microsoft.com/office/powerpoint/2010/main" val="2717692574"/>
       </p:ext>
     </p:extLst>
   </p:cSld>
@@ -1368,7 +1374,7 @@
     </p:spTree>
     <p:extLst>
       <p:ext uri="{BB962C8B-B14F-4D97-AF65-F5344CB8AC3E}">
-        <p14:creationId xmlns:p14="http://schemas.microsoft.com/office/powerpoint/2010/main" val="3956670613"/>
+        <p14:creationId xmlns:p14="http://schemas.microsoft.com/office/powerpoint/2010/main" val="745538108"/>
       </p:ext>
     </p:extLst>
   </p:cSld>
@@ -1457,7 +1463,7 @@
     </p:spTree>
     <p:extLst>
       <p:ext uri="{BB962C8B-B14F-4D97-AF65-F5344CB8AC3E}">
-        <p14:creationId xmlns:p14="http://schemas.microsoft.com/office/powerpoint/2010/main" val="3821770536"/>
+        <p14:creationId xmlns:p14="http://schemas.microsoft.com/office/powerpoint/2010/main" val="3956670613"/>
       </p:ext>
     </p:extLst>
   </p:cSld>
@@ -1635,7 +1641,7 @@
     </p:spTree>
     <p:extLst>
       <p:ext uri="{BB962C8B-B14F-4D97-AF65-F5344CB8AC3E}">
-        <p14:creationId xmlns:p14="http://schemas.microsoft.com/office/powerpoint/2010/main" val="3177157011"/>
+        <p14:creationId xmlns:p14="http://schemas.microsoft.com/office/powerpoint/2010/main" val="3821770536"/>
       </p:ext>
     </p:extLst>
   </p:cSld>
@@ -1724,7 +1730,7 @@
     </p:spTree>
     <p:extLst>
       <p:ext uri="{BB962C8B-B14F-4D97-AF65-F5344CB8AC3E}">
-        <p14:creationId xmlns:p14="http://schemas.microsoft.com/office/powerpoint/2010/main" val="1299757781"/>
+        <p14:creationId xmlns:p14="http://schemas.microsoft.com/office/powerpoint/2010/main" val="3177157011"/>
       </p:ext>
     </p:extLst>
   </p:cSld>
@@ -1813,7 +1819,7 @@
     </p:spTree>
     <p:extLst>
       <p:ext uri="{BB962C8B-B14F-4D97-AF65-F5344CB8AC3E}">
-        <p14:creationId xmlns:p14="http://schemas.microsoft.com/office/powerpoint/2010/main" val="3368024120"/>
+        <p14:creationId xmlns:p14="http://schemas.microsoft.com/office/powerpoint/2010/main" val="1299757781"/>
       </p:ext>
     </p:extLst>
   </p:cSld>
@@ -1902,7 +1908,7 @@
     </p:spTree>
     <p:extLst>
       <p:ext uri="{BB962C8B-B14F-4D97-AF65-F5344CB8AC3E}">
-        <p14:creationId xmlns:p14="http://schemas.microsoft.com/office/powerpoint/2010/main" val="711465041"/>
+        <p14:creationId xmlns:p14="http://schemas.microsoft.com/office/powerpoint/2010/main" val="3368024120"/>
       </p:ext>
     </p:extLst>
   </p:cSld>
@@ -1991,7 +1997,452 @@
     </p:spTree>
     <p:extLst>
       <p:ext uri="{BB962C8B-B14F-4D97-AF65-F5344CB8AC3E}">
+        <p14:creationId xmlns:p14="http://schemas.microsoft.com/office/powerpoint/2010/main" val="711465041"/>
+      </p:ext>
+    </p:extLst>
+  </p:cSld>
+  <p:clrMapOvr>
+    <a:masterClrMapping/>
+  </p:clrMapOvr>
+</p:notes>
+</file>
+
+<file path=ppt/notesSlides/notesSlide25.xml><?xml version="1.0" encoding="utf-8"?>
+<p:notes xmlns:a="http://schemas.openxmlformats.org/drawingml/2006/main" xmlns:r="http://schemas.openxmlformats.org/officeDocument/2006/relationships" xmlns:p="http://schemas.openxmlformats.org/presentationml/2006/main">
+  <p:cSld>
+    <p:spTree>
+      <p:nvGrpSpPr>
+        <p:cNvPr id="1" name=""/>
+        <p:cNvGrpSpPr/>
+        <p:nvPr/>
+      </p:nvGrpSpPr>
+      <p:grpSpPr>
+        <a:xfrm>
+          <a:off x="0" y="0"/>
+          <a:ext cx="0" cy="0"/>
+          <a:chOff x="0" y="0"/>
+          <a:chExt cx="0" cy="0"/>
+        </a:xfrm>
+      </p:grpSpPr>
+      <p:sp>
+        <p:nvSpPr>
+          <p:cNvPr id="2" name="Slide Image Placeholder 1"/>
+          <p:cNvSpPr>
+            <a:spLocks noGrp="1" noRot="1" noChangeAspect="1"/>
+          </p:cNvSpPr>
+          <p:nvPr>
+            <p:ph type="sldImg"/>
+          </p:nvPr>
+        </p:nvSpPr>
+        <p:spPr>
+          <a:xfrm>
+            <a:off x="685800" y="1143000"/>
+            <a:ext cx="5486400" cy="3086100"/>
+          </a:xfrm>
+        </p:spPr>
+      </p:sp>
+      <p:sp>
+        <p:nvSpPr>
+          <p:cNvPr id="3" name="Notes Placeholder 2"/>
+          <p:cNvSpPr>
+            <a:spLocks noGrp="1"/>
+          </p:cNvSpPr>
+          <p:nvPr>
+            <p:ph type="body" idx="1"/>
+          </p:nvPr>
+        </p:nvSpPr>
+        <p:spPr/>
+        <p:txBody>
+          <a:bodyPr/>
+          <a:lstStyle/>
+          <a:p>
+            <a:endParaRPr lang="en-US" dirty="0"/>
+          </a:p>
+        </p:txBody>
+      </p:sp>
+      <p:sp>
+        <p:nvSpPr>
+          <p:cNvPr id="4" name="Slide Number Placeholder 3"/>
+          <p:cNvSpPr>
+            <a:spLocks noGrp="1"/>
+          </p:cNvSpPr>
+          <p:nvPr>
+            <p:ph type="sldNum" sz="quarter" idx="5"/>
+          </p:nvPr>
+        </p:nvSpPr>
+        <p:spPr/>
+        <p:txBody>
+          <a:bodyPr/>
+          <a:lstStyle/>
+          <a:p>
+            <a:fld id="{3F8BDF20-BE86-4883-8A23-4CE3D0058BEA}" type="slidenum">
+              <a:rPr lang="en-US" smtClean="0"/>
+              <a:t>26</a:t>
+            </a:fld>
+            <a:endParaRPr lang="en-US"/>
+          </a:p>
+        </p:txBody>
+      </p:sp>
+    </p:spTree>
+    <p:extLst>
+      <p:ext uri="{BB962C8B-B14F-4D97-AF65-F5344CB8AC3E}">
         <p14:creationId xmlns:p14="http://schemas.microsoft.com/office/powerpoint/2010/main" val="2910976488"/>
+      </p:ext>
+    </p:extLst>
+  </p:cSld>
+  <p:clrMapOvr>
+    <a:masterClrMapping/>
+  </p:clrMapOvr>
+</p:notes>
+</file>
+
+<file path=ppt/notesSlides/notesSlide26.xml><?xml version="1.0" encoding="utf-8"?>
+<p:notes xmlns:a="http://schemas.openxmlformats.org/drawingml/2006/main" xmlns:r="http://schemas.openxmlformats.org/officeDocument/2006/relationships" xmlns:p="http://schemas.openxmlformats.org/presentationml/2006/main">
+  <p:cSld>
+    <p:spTree>
+      <p:nvGrpSpPr>
+        <p:cNvPr id="1" name=""/>
+        <p:cNvGrpSpPr/>
+        <p:nvPr/>
+      </p:nvGrpSpPr>
+      <p:grpSpPr>
+        <a:xfrm>
+          <a:off x="0" y="0"/>
+          <a:ext cx="0" cy="0"/>
+          <a:chOff x="0" y="0"/>
+          <a:chExt cx="0" cy="0"/>
+        </a:xfrm>
+      </p:grpSpPr>
+      <p:sp>
+        <p:nvSpPr>
+          <p:cNvPr id="2" name="Slide Image Placeholder 1"/>
+          <p:cNvSpPr>
+            <a:spLocks noGrp="1" noRot="1" noChangeAspect="1"/>
+          </p:cNvSpPr>
+          <p:nvPr>
+            <p:ph type="sldImg"/>
+          </p:nvPr>
+        </p:nvSpPr>
+        <p:spPr>
+          <a:xfrm>
+            <a:off x="685800" y="1143000"/>
+            <a:ext cx="5486400" cy="3086100"/>
+          </a:xfrm>
+        </p:spPr>
+      </p:sp>
+      <p:sp>
+        <p:nvSpPr>
+          <p:cNvPr id="3" name="Notes Placeholder 2"/>
+          <p:cNvSpPr>
+            <a:spLocks noGrp="1"/>
+          </p:cNvSpPr>
+          <p:nvPr>
+            <p:ph type="body" idx="1"/>
+          </p:nvPr>
+        </p:nvSpPr>
+        <p:spPr/>
+        <p:txBody>
+          <a:bodyPr/>
+          <a:lstStyle/>
+          <a:p>
+            <a:endParaRPr lang="en-US" dirty="0"/>
+          </a:p>
+        </p:txBody>
+      </p:sp>
+      <p:sp>
+        <p:nvSpPr>
+          <p:cNvPr id="4" name="Slide Number Placeholder 3"/>
+          <p:cNvSpPr>
+            <a:spLocks noGrp="1"/>
+          </p:cNvSpPr>
+          <p:nvPr>
+            <p:ph type="sldNum" sz="quarter" idx="5"/>
+          </p:nvPr>
+        </p:nvSpPr>
+        <p:spPr/>
+        <p:txBody>
+          <a:bodyPr/>
+          <a:lstStyle/>
+          <a:p>
+            <a:fld id="{3F8BDF20-BE86-4883-8A23-4CE3D0058BEA}" type="slidenum">
+              <a:rPr lang="en-US" smtClean="0"/>
+              <a:t>27</a:t>
+            </a:fld>
+            <a:endParaRPr lang="en-US"/>
+          </a:p>
+        </p:txBody>
+      </p:sp>
+    </p:spTree>
+    <p:extLst>
+      <p:ext uri="{BB962C8B-B14F-4D97-AF65-F5344CB8AC3E}">
+        <p14:creationId xmlns:p14="http://schemas.microsoft.com/office/powerpoint/2010/main" val="3472787509"/>
+      </p:ext>
+    </p:extLst>
+  </p:cSld>
+  <p:clrMapOvr>
+    <a:masterClrMapping/>
+  </p:clrMapOvr>
+</p:notes>
+</file>
+
+<file path=ppt/notesSlides/notesSlide27.xml><?xml version="1.0" encoding="utf-8"?>
+<p:notes xmlns:a="http://schemas.openxmlformats.org/drawingml/2006/main" xmlns:r="http://schemas.openxmlformats.org/officeDocument/2006/relationships" xmlns:p="http://schemas.openxmlformats.org/presentationml/2006/main">
+  <p:cSld>
+    <p:spTree>
+      <p:nvGrpSpPr>
+        <p:cNvPr id="1" name=""/>
+        <p:cNvGrpSpPr/>
+        <p:nvPr/>
+      </p:nvGrpSpPr>
+      <p:grpSpPr>
+        <a:xfrm>
+          <a:off x="0" y="0"/>
+          <a:ext cx="0" cy="0"/>
+          <a:chOff x="0" y="0"/>
+          <a:chExt cx="0" cy="0"/>
+        </a:xfrm>
+      </p:grpSpPr>
+      <p:sp>
+        <p:nvSpPr>
+          <p:cNvPr id="2" name="Slide Image Placeholder 1"/>
+          <p:cNvSpPr>
+            <a:spLocks noGrp="1" noRot="1" noChangeAspect="1"/>
+          </p:cNvSpPr>
+          <p:nvPr>
+            <p:ph type="sldImg"/>
+          </p:nvPr>
+        </p:nvSpPr>
+        <p:spPr>
+          <a:xfrm>
+            <a:off x="685800" y="1143000"/>
+            <a:ext cx="5486400" cy="3086100"/>
+          </a:xfrm>
+        </p:spPr>
+      </p:sp>
+      <p:sp>
+        <p:nvSpPr>
+          <p:cNvPr id="3" name="Notes Placeholder 2"/>
+          <p:cNvSpPr>
+            <a:spLocks noGrp="1"/>
+          </p:cNvSpPr>
+          <p:nvPr>
+            <p:ph type="body" idx="1"/>
+          </p:nvPr>
+        </p:nvSpPr>
+        <p:spPr/>
+        <p:txBody>
+          <a:bodyPr/>
+          <a:lstStyle/>
+          <a:p>
+            <a:endParaRPr lang="en-US" dirty="0"/>
+          </a:p>
+        </p:txBody>
+      </p:sp>
+      <p:sp>
+        <p:nvSpPr>
+          <p:cNvPr id="4" name="Slide Number Placeholder 3"/>
+          <p:cNvSpPr>
+            <a:spLocks noGrp="1"/>
+          </p:cNvSpPr>
+          <p:nvPr>
+            <p:ph type="sldNum" sz="quarter" idx="5"/>
+          </p:nvPr>
+        </p:nvSpPr>
+        <p:spPr/>
+        <p:txBody>
+          <a:bodyPr/>
+          <a:lstStyle/>
+          <a:p>
+            <a:fld id="{3F8BDF20-BE86-4883-8A23-4CE3D0058BEA}" type="slidenum">
+              <a:rPr lang="en-US" smtClean="0"/>
+              <a:t>28</a:t>
+            </a:fld>
+            <a:endParaRPr lang="en-US"/>
+          </a:p>
+        </p:txBody>
+      </p:sp>
+    </p:spTree>
+    <p:extLst>
+      <p:ext uri="{BB962C8B-B14F-4D97-AF65-F5344CB8AC3E}">
+        <p14:creationId xmlns:p14="http://schemas.microsoft.com/office/powerpoint/2010/main" val="3255865483"/>
+      </p:ext>
+    </p:extLst>
+  </p:cSld>
+  <p:clrMapOvr>
+    <a:masterClrMapping/>
+  </p:clrMapOvr>
+</p:notes>
+</file>
+
+<file path=ppt/notesSlides/notesSlide28.xml><?xml version="1.0" encoding="utf-8"?>
+<p:notes xmlns:a="http://schemas.openxmlformats.org/drawingml/2006/main" xmlns:r="http://schemas.openxmlformats.org/officeDocument/2006/relationships" xmlns:p="http://schemas.openxmlformats.org/presentationml/2006/main">
+  <p:cSld>
+    <p:spTree>
+      <p:nvGrpSpPr>
+        <p:cNvPr id="1" name=""/>
+        <p:cNvGrpSpPr/>
+        <p:nvPr/>
+      </p:nvGrpSpPr>
+      <p:grpSpPr>
+        <a:xfrm>
+          <a:off x="0" y="0"/>
+          <a:ext cx="0" cy="0"/>
+          <a:chOff x="0" y="0"/>
+          <a:chExt cx="0" cy="0"/>
+        </a:xfrm>
+      </p:grpSpPr>
+      <p:sp>
+        <p:nvSpPr>
+          <p:cNvPr id="2" name="Slide Image Placeholder 1"/>
+          <p:cNvSpPr>
+            <a:spLocks noGrp="1" noRot="1" noChangeAspect="1"/>
+          </p:cNvSpPr>
+          <p:nvPr>
+            <p:ph type="sldImg"/>
+          </p:nvPr>
+        </p:nvSpPr>
+        <p:spPr>
+          <a:xfrm>
+            <a:off x="685800" y="1143000"/>
+            <a:ext cx="5486400" cy="3086100"/>
+          </a:xfrm>
+        </p:spPr>
+      </p:sp>
+      <p:sp>
+        <p:nvSpPr>
+          <p:cNvPr id="3" name="Notes Placeholder 2"/>
+          <p:cNvSpPr>
+            <a:spLocks noGrp="1"/>
+          </p:cNvSpPr>
+          <p:nvPr>
+            <p:ph type="body" idx="1"/>
+          </p:nvPr>
+        </p:nvSpPr>
+        <p:spPr/>
+        <p:txBody>
+          <a:bodyPr/>
+          <a:lstStyle/>
+          <a:p>
+            <a:endParaRPr lang="en-US" dirty="0"/>
+          </a:p>
+        </p:txBody>
+      </p:sp>
+      <p:sp>
+        <p:nvSpPr>
+          <p:cNvPr id="4" name="Slide Number Placeholder 3"/>
+          <p:cNvSpPr>
+            <a:spLocks noGrp="1"/>
+          </p:cNvSpPr>
+          <p:nvPr>
+            <p:ph type="sldNum" sz="quarter" idx="5"/>
+          </p:nvPr>
+        </p:nvSpPr>
+        <p:spPr/>
+        <p:txBody>
+          <a:bodyPr/>
+          <a:lstStyle/>
+          <a:p>
+            <a:fld id="{3F8BDF20-BE86-4883-8A23-4CE3D0058BEA}" type="slidenum">
+              <a:rPr lang="en-US" smtClean="0"/>
+              <a:t>29</a:t>
+            </a:fld>
+            <a:endParaRPr lang="en-US"/>
+          </a:p>
+        </p:txBody>
+      </p:sp>
+    </p:spTree>
+    <p:extLst>
+      <p:ext uri="{BB962C8B-B14F-4D97-AF65-F5344CB8AC3E}">
+        <p14:creationId xmlns:p14="http://schemas.microsoft.com/office/powerpoint/2010/main" val="1328285330"/>
+      </p:ext>
+    </p:extLst>
+  </p:cSld>
+  <p:clrMapOvr>
+    <a:masterClrMapping/>
+  </p:clrMapOvr>
+</p:notes>
+</file>
+
+<file path=ppt/notesSlides/notesSlide29.xml><?xml version="1.0" encoding="utf-8"?>
+<p:notes xmlns:a="http://schemas.openxmlformats.org/drawingml/2006/main" xmlns:r="http://schemas.openxmlformats.org/officeDocument/2006/relationships" xmlns:p="http://schemas.openxmlformats.org/presentationml/2006/main">
+  <p:cSld>
+    <p:spTree>
+      <p:nvGrpSpPr>
+        <p:cNvPr id="1" name=""/>
+        <p:cNvGrpSpPr/>
+        <p:nvPr/>
+      </p:nvGrpSpPr>
+      <p:grpSpPr>
+        <a:xfrm>
+          <a:off x="0" y="0"/>
+          <a:ext cx="0" cy="0"/>
+          <a:chOff x="0" y="0"/>
+          <a:chExt cx="0" cy="0"/>
+        </a:xfrm>
+      </p:grpSpPr>
+      <p:sp>
+        <p:nvSpPr>
+          <p:cNvPr id="2" name="Slide Image Placeholder 1"/>
+          <p:cNvSpPr>
+            <a:spLocks noGrp="1" noRot="1" noChangeAspect="1"/>
+          </p:cNvSpPr>
+          <p:nvPr>
+            <p:ph type="sldImg"/>
+          </p:nvPr>
+        </p:nvSpPr>
+        <p:spPr>
+          <a:xfrm>
+            <a:off x="685800" y="1143000"/>
+            <a:ext cx="5486400" cy="3086100"/>
+          </a:xfrm>
+        </p:spPr>
+      </p:sp>
+      <p:sp>
+        <p:nvSpPr>
+          <p:cNvPr id="3" name="Notes Placeholder 2"/>
+          <p:cNvSpPr>
+            <a:spLocks noGrp="1"/>
+          </p:cNvSpPr>
+          <p:nvPr>
+            <p:ph type="body" idx="1"/>
+          </p:nvPr>
+        </p:nvSpPr>
+        <p:spPr/>
+        <p:txBody>
+          <a:bodyPr/>
+          <a:lstStyle/>
+          <a:p>
+            <a:endParaRPr lang="en-US" dirty="0"/>
+          </a:p>
+        </p:txBody>
+      </p:sp>
+      <p:sp>
+        <p:nvSpPr>
+          <p:cNvPr id="4" name="Slide Number Placeholder 3"/>
+          <p:cNvSpPr>
+            <a:spLocks noGrp="1"/>
+          </p:cNvSpPr>
+          <p:nvPr>
+            <p:ph type="sldNum" sz="quarter" idx="5"/>
+          </p:nvPr>
+        </p:nvSpPr>
+        <p:spPr/>
+        <p:txBody>
+          <a:bodyPr/>
+          <a:lstStyle/>
+          <a:p>
+            <a:fld id="{3F8BDF20-BE86-4883-8A23-4CE3D0058BEA}" type="slidenum">
+              <a:rPr lang="en-US" smtClean="0"/>
+              <a:t>30</a:t>
+            </a:fld>
+            <a:endParaRPr lang="en-US"/>
+          </a:p>
+        </p:txBody>
+      </p:sp>
+    </p:spTree>
+    <p:extLst>
+      <p:ext uri="{BB962C8B-B14F-4D97-AF65-F5344CB8AC3E}">
+        <p14:creationId xmlns:p14="http://schemas.microsoft.com/office/powerpoint/2010/main" val="1710924351"/>
       </p:ext>
     </p:extLst>
   </p:cSld>
@@ -2081,6 +2532,95 @@
     <p:extLst>
       <p:ext uri="{BB962C8B-B14F-4D97-AF65-F5344CB8AC3E}">
         <p14:creationId xmlns:p14="http://schemas.microsoft.com/office/powerpoint/2010/main" val="2661349334"/>
+      </p:ext>
+    </p:extLst>
+  </p:cSld>
+  <p:clrMapOvr>
+    <a:masterClrMapping/>
+  </p:clrMapOvr>
+</p:notes>
+</file>
+
+<file path=ppt/notesSlides/notesSlide30.xml><?xml version="1.0" encoding="utf-8"?>
+<p:notes xmlns:a="http://schemas.openxmlformats.org/drawingml/2006/main" xmlns:r="http://schemas.openxmlformats.org/officeDocument/2006/relationships" xmlns:p="http://schemas.openxmlformats.org/presentationml/2006/main">
+  <p:cSld>
+    <p:spTree>
+      <p:nvGrpSpPr>
+        <p:cNvPr id="1" name=""/>
+        <p:cNvGrpSpPr/>
+        <p:nvPr/>
+      </p:nvGrpSpPr>
+      <p:grpSpPr>
+        <a:xfrm>
+          <a:off x="0" y="0"/>
+          <a:ext cx="0" cy="0"/>
+          <a:chOff x="0" y="0"/>
+          <a:chExt cx="0" cy="0"/>
+        </a:xfrm>
+      </p:grpSpPr>
+      <p:sp>
+        <p:nvSpPr>
+          <p:cNvPr id="2" name="Slide Image Placeholder 1"/>
+          <p:cNvSpPr>
+            <a:spLocks noGrp="1" noRot="1" noChangeAspect="1"/>
+          </p:cNvSpPr>
+          <p:nvPr>
+            <p:ph type="sldImg"/>
+          </p:nvPr>
+        </p:nvSpPr>
+        <p:spPr>
+          <a:xfrm>
+            <a:off x="685800" y="1143000"/>
+            <a:ext cx="5486400" cy="3086100"/>
+          </a:xfrm>
+        </p:spPr>
+      </p:sp>
+      <p:sp>
+        <p:nvSpPr>
+          <p:cNvPr id="3" name="Notes Placeholder 2"/>
+          <p:cNvSpPr>
+            <a:spLocks noGrp="1"/>
+          </p:cNvSpPr>
+          <p:nvPr>
+            <p:ph type="body" idx="1"/>
+          </p:nvPr>
+        </p:nvSpPr>
+        <p:spPr/>
+        <p:txBody>
+          <a:bodyPr/>
+          <a:lstStyle/>
+          <a:p>
+            <a:endParaRPr lang="en-US" dirty="0"/>
+          </a:p>
+        </p:txBody>
+      </p:sp>
+      <p:sp>
+        <p:nvSpPr>
+          <p:cNvPr id="4" name="Slide Number Placeholder 3"/>
+          <p:cNvSpPr>
+            <a:spLocks noGrp="1"/>
+          </p:cNvSpPr>
+          <p:nvPr>
+            <p:ph type="sldNum" sz="quarter" idx="5"/>
+          </p:nvPr>
+        </p:nvSpPr>
+        <p:spPr/>
+        <p:txBody>
+          <a:bodyPr/>
+          <a:lstStyle/>
+          <a:p>
+            <a:fld id="{3F8BDF20-BE86-4883-8A23-4CE3D0058BEA}" type="slidenum">
+              <a:rPr lang="en-US" smtClean="0"/>
+              <a:t>31</a:t>
+            </a:fld>
+            <a:endParaRPr lang="en-US"/>
+          </a:p>
+        </p:txBody>
+      </p:sp>
+    </p:spTree>
+    <p:extLst>
+      <p:ext uri="{BB962C8B-B14F-4D97-AF65-F5344CB8AC3E}">
+        <p14:creationId xmlns:p14="http://schemas.microsoft.com/office/powerpoint/2010/main" val="2194084272"/>
       </p:ext>
     </p:extLst>
   </p:cSld>
@@ -6414,45 +6954,120 @@
           <a:p>
             <a:r>
               <a:rPr lang="en-US" dirty="0"/>
-              <a:t>Why Neural Network?</a:t>
-            </a:r>
-          </a:p>
-        </p:txBody>
-      </p:sp>
-      <p:pic>
-        <p:nvPicPr>
-          <p:cNvPr id="4" name="Picture 3">
+              <a:t>Optimizers</a:t>
+            </a:r>
+          </a:p>
+        </p:txBody>
+      </p:sp>
+      <p:sp>
+        <p:nvSpPr>
+          <p:cNvPr id="4" name="TextBox 3">
             <a:extLst>
               <a:ext uri="{FF2B5EF4-FFF2-40B4-BE49-F238E27FC236}">
-                <a16:creationId xmlns:a16="http://schemas.microsoft.com/office/drawing/2014/main" id="{62A1A37A-C10A-E72E-DAD5-B9C69DCD054B}"/>
+                <a16:creationId xmlns:a16="http://schemas.microsoft.com/office/drawing/2014/main" id="{FEEA34A5-C23F-3808-9BC1-B77531FBBD1E}"/>
               </a:ext>
             </a:extLst>
           </p:cNvPr>
-          <p:cNvPicPr>
-            <a:picLocks noChangeAspect="1"/>
-          </p:cNvPicPr>
+          <p:cNvSpPr txBox="1"/>
           <p:nvPr/>
-        </p:nvPicPr>
-        <p:blipFill>
-          <a:blip r:embed="rId3"/>
-          <a:stretch>
-            <a:fillRect/>
-          </a:stretch>
-        </p:blipFill>
-        <p:spPr>
-          <a:xfrm>
-            <a:off x="992969" y="2084885"/>
-            <a:ext cx="9674268" cy="2801013"/>
+        </p:nvSpPr>
+        <p:spPr>
+          <a:xfrm>
+            <a:off x="927100" y="1915658"/>
+            <a:ext cx="8686800" cy="523220"/>
           </a:xfrm>
           <a:prstGeom prst="rect">
             <a:avLst/>
           </a:prstGeom>
-        </p:spPr>
-      </p:pic>
+          <a:noFill/>
+        </p:spPr>
+        <p:txBody>
+          <a:bodyPr wrap="square">
+            <a:spAutoFit/>
+          </a:bodyPr>
+          <a:lstStyle/>
+          <a:p>
+            <a:r>
+              <a:rPr lang="en-US" altLang="zh-CN" sz="2800" dirty="0"/>
+              <a:t>Stochastic Gradient Descent (SGD)</a:t>
+            </a:r>
+          </a:p>
+        </p:txBody>
+      </p:sp>
+      <p:sp>
+        <p:nvSpPr>
+          <p:cNvPr id="5" name="TextBox 4">
+            <a:extLst>
+              <a:ext uri="{FF2B5EF4-FFF2-40B4-BE49-F238E27FC236}">
+                <a16:creationId xmlns:a16="http://schemas.microsoft.com/office/drawing/2014/main" id="{342D44D4-C8E5-06AB-363D-1767D5C65880}"/>
+              </a:ext>
+            </a:extLst>
+          </p:cNvPr>
+          <p:cNvSpPr txBox="1"/>
+          <p:nvPr/>
+        </p:nvSpPr>
+        <p:spPr>
+          <a:xfrm>
+            <a:off x="927100" y="3007516"/>
+            <a:ext cx="8686800" cy="523220"/>
+          </a:xfrm>
+          <a:prstGeom prst="rect">
+            <a:avLst/>
+          </a:prstGeom>
+          <a:noFill/>
+        </p:spPr>
+        <p:txBody>
+          <a:bodyPr wrap="square">
+            <a:spAutoFit/>
+          </a:bodyPr>
+          <a:lstStyle/>
+          <a:p>
+            <a:r>
+              <a:rPr lang="en-US" altLang="zh-CN" sz="2800" dirty="0"/>
+              <a:t>Stochastic Gradient Descent with Momentum</a:t>
+            </a:r>
+          </a:p>
+        </p:txBody>
+      </p:sp>
+      <p:sp>
+        <p:nvSpPr>
+          <p:cNvPr id="6" name="TextBox 5">
+            <a:extLst>
+              <a:ext uri="{FF2B5EF4-FFF2-40B4-BE49-F238E27FC236}">
+                <a16:creationId xmlns:a16="http://schemas.microsoft.com/office/drawing/2014/main" id="{DA019DC8-56E5-6EC8-069B-9BB2EA0C8C52}"/>
+              </a:ext>
+            </a:extLst>
+          </p:cNvPr>
+          <p:cNvSpPr txBox="1"/>
+          <p:nvPr/>
+        </p:nvSpPr>
+        <p:spPr>
+          <a:xfrm>
+            <a:off x="927100" y="4099374"/>
+            <a:ext cx="8686800" cy="523220"/>
+          </a:xfrm>
+          <a:prstGeom prst="rect">
+            <a:avLst/>
+          </a:prstGeom>
+          <a:noFill/>
+        </p:spPr>
+        <p:txBody>
+          <a:bodyPr wrap="square">
+            <a:spAutoFit/>
+          </a:bodyPr>
+          <a:lstStyle/>
+          <a:p>
+            <a:r>
+              <a:rPr lang="en-US" altLang="zh-CN" sz="2800" dirty="0"/>
+              <a:t>Adam Optimizer</a:t>
+            </a:r>
+          </a:p>
+        </p:txBody>
+      </p:sp>
     </p:spTree>
     <p:extLst>
       <p:ext uri="{BB962C8B-B14F-4D97-AF65-F5344CB8AC3E}">
-        <p14:creationId xmlns:p14="http://schemas.microsoft.com/office/powerpoint/2010/main" val="1770741054"/>
+        <p14:creationId xmlns:p14="http://schemas.microsoft.com/office/powerpoint/2010/main" val="3014343918"/>
       </p:ext>
     </p:extLst>
   </p:cSld>
@@ -6509,17 +7124,17 @@
           <a:p>
             <a:r>
               <a:rPr lang="en-US" dirty="0"/>
-              <a:t>Convolutional Neural Network </a:t>
+              <a:t>Why Neural Network?</a:t>
             </a:r>
           </a:p>
         </p:txBody>
       </p:sp>
       <p:pic>
         <p:nvPicPr>
-          <p:cNvPr id="3" name="Picture 2">
+          <p:cNvPr id="4" name="Picture 3">
             <a:extLst>
               <a:ext uri="{FF2B5EF4-FFF2-40B4-BE49-F238E27FC236}">
-                <a16:creationId xmlns:a16="http://schemas.microsoft.com/office/drawing/2014/main" id="{FD346AA5-D9D8-C5BD-1269-0715C3C80DDC}"/>
+                <a16:creationId xmlns:a16="http://schemas.microsoft.com/office/drawing/2014/main" id="{62A1A37A-C10A-E72E-DAD5-B9C69DCD054B}"/>
               </a:ext>
             </a:extLst>
           </p:cNvPr>
@@ -6536,53 +7151,18 @@
         </p:blipFill>
         <p:spPr>
           <a:xfrm>
-            <a:off x="2106887" y="1836673"/>
-            <a:ext cx="6895224" cy="2368240"/>
+            <a:off x="992969" y="2084885"/>
+            <a:ext cx="9674268" cy="2801013"/>
           </a:xfrm>
           <a:prstGeom prst="rect">
             <a:avLst/>
           </a:prstGeom>
         </p:spPr>
       </p:pic>
-      <p:sp>
-        <p:nvSpPr>
-          <p:cNvPr id="5" name="TextBox 4">
-            <a:extLst>
-              <a:ext uri="{FF2B5EF4-FFF2-40B4-BE49-F238E27FC236}">
-                <a16:creationId xmlns:a16="http://schemas.microsoft.com/office/drawing/2014/main" id="{BFD46F63-B347-15B0-BD02-14AE56BB8730}"/>
-              </a:ext>
-            </a:extLst>
-          </p:cNvPr>
-          <p:cNvSpPr txBox="1"/>
-          <p:nvPr/>
-        </p:nvSpPr>
-        <p:spPr>
-          <a:xfrm>
-            <a:off x="950753" y="4694567"/>
-            <a:ext cx="10290493" cy="523220"/>
-          </a:xfrm>
-          <a:prstGeom prst="rect">
-            <a:avLst/>
-          </a:prstGeom>
-          <a:noFill/>
-        </p:spPr>
-        <p:txBody>
-          <a:bodyPr wrap="square">
-            <a:spAutoFit/>
-          </a:bodyPr>
-          <a:lstStyle/>
-          <a:p>
-            <a:r>
-              <a:rPr lang="en-US" altLang="zh-CN" sz="2800" dirty="0"/>
-              <a:t>A commonly used network architecture for classifying images </a:t>
-            </a:r>
-          </a:p>
-        </p:txBody>
-      </p:sp>
     </p:spTree>
     <p:extLst>
       <p:ext uri="{BB962C8B-B14F-4D97-AF65-F5344CB8AC3E}">
-        <p14:creationId xmlns:p14="http://schemas.microsoft.com/office/powerpoint/2010/main" val="1536299813"/>
+        <p14:creationId xmlns:p14="http://schemas.microsoft.com/office/powerpoint/2010/main" val="1770741054"/>
       </p:ext>
     </p:extLst>
   </p:cSld>
@@ -6639,7 +7219,7 @@
           <a:p>
             <a:r>
               <a:rPr lang="en-US" dirty="0"/>
-              <a:t>Convolutional Kernel</a:t>
+              <a:t>Convolutional Neural Network </a:t>
             </a:r>
           </a:p>
         </p:txBody>
@@ -6649,7 +7229,7 @@
           <p:cNvPr id="3" name="Picture 2">
             <a:extLst>
               <a:ext uri="{FF2B5EF4-FFF2-40B4-BE49-F238E27FC236}">
-                <a16:creationId xmlns:a16="http://schemas.microsoft.com/office/drawing/2014/main" id="{F7FCCDC8-5E48-FD71-BD45-A80C53F76C46}"/>
+                <a16:creationId xmlns:a16="http://schemas.microsoft.com/office/drawing/2014/main" id="{FD346AA5-D9D8-C5BD-1269-0715C3C80DDC}"/>
               </a:ext>
             </a:extLst>
           </p:cNvPr>
@@ -6666,18 +7246,53 @@
         </p:blipFill>
         <p:spPr>
           <a:xfrm>
-            <a:off x="995416" y="2171919"/>
-            <a:ext cx="9759907" cy="3424840"/>
+            <a:off x="2106887" y="1836673"/>
+            <a:ext cx="6895224" cy="2368240"/>
           </a:xfrm>
           <a:prstGeom prst="rect">
             <a:avLst/>
           </a:prstGeom>
         </p:spPr>
       </p:pic>
+      <p:sp>
+        <p:nvSpPr>
+          <p:cNvPr id="5" name="TextBox 4">
+            <a:extLst>
+              <a:ext uri="{FF2B5EF4-FFF2-40B4-BE49-F238E27FC236}">
+                <a16:creationId xmlns:a16="http://schemas.microsoft.com/office/drawing/2014/main" id="{BFD46F63-B347-15B0-BD02-14AE56BB8730}"/>
+              </a:ext>
+            </a:extLst>
+          </p:cNvPr>
+          <p:cNvSpPr txBox="1"/>
+          <p:nvPr/>
+        </p:nvSpPr>
+        <p:spPr>
+          <a:xfrm>
+            <a:off x="950753" y="4694567"/>
+            <a:ext cx="10290493" cy="523220"/>
+          </a:xfrm>
+          <a:prstGeom prst="rect">
+            <a:avLst/>
+          </a:prstGeom>
+          <a:noFill/>
+        </p:spPr>
+        <p:txBody>
+          <a:bodyPr wrap="square">
+            <a:spAutoFit/>
+          </a:bodyPr>
+          <a:lstStyle/>
+          <a:p>
+            <a:r>
+              <a:rPr lang="en-US" altLang="zh-CN" sz="2800" dirty="0"/>
+              <a:t>A commonly used network architecture for classifying images </a:t>
+            </a:r>
+          </a:p>
+        </p:txBody>
+      </p:sp>
     </p:spTree>
     <p:extLst>
       <p:ext uri="{BB962C8B-B14F-4D97-AF65-F5344CB8AC3E}">
-        <p14:creationId xmlns:p14="http://schemas.microsoft.com/office/powerpoint/2010/main" val="1657582834"/>
+        <p14:creationId xmlns:p14="http://schemas.microsoft.com/office/powerpoint/2010/main" val="1536299813"/>
       </p:ext>
     </p:extLst>
   </p:cSld>
@@ -6741,10 +7356,10 @@
       </p:sp>
       <p:pic>
         <p:nvPicPr>
-          <p:cNvPr id="4" name="Picture 3">
+          <p:cNvPr id="3" name="Picture 2">
             <a:extLst>
               <a:ext uri="{FF2B5EF4-FFF2-40B4-BE49-F238E27FC236}">
-                <a16:creationId xmlns:a16="http://schemas.microsoft.com/office/drawing/2014/main" id="{D55F2F55-1945-233C-2BB7-9E59BD81E448}"/>
+                <a16:creationId xmlns:a16="http://schemas.microsoft.com/office/drawing/2014/main" id="{F7FCCDC8-5E48-FD71-BD45-A80C53F76C46}"/>
               </a:ext>
             </a:extLst>
           </p:cNvPr>
@@ -6761,8 +7376,8 @@
         </p:blipFill>
         <p:spPr>
           <a:xfrm>
-            <a:off x="1309915" y="2175642"/>
-            <a:ext cx="10043885" cy="3047268"/>
+            <a:off x="995416" y="2171919"/>
+            <a:ext cx="9759907" cy="3424840"/>
           </a:xfrm>
           <a:prstGeom prst="rect">
             <a:avLst/>
@@ -6772,7 +7387,7 @@
     </p:spTree>
     <p:extLst>
       <p:ext uri="{BB962C8B-B14F-4D97-AF65-F5344CB8AC3E}">
-        <p14:creationId xmlns:p14="http://schemas.microsoft.com/office/powerpoint/2010/main" val="1633784091"/>
+        <p14:creationId xmlns:p14="http://schemas.microsoft.com/office/powerpoint/2010/main" val="1657582834"/>
       </p:ext>
     </p:extLst>
   </p:cSld>
@@ -6836,10 +7451,10 @@
       </p:sp>
       <p:pic>
         <p:nvPicPr>
-          <p:cNvPr id="3" name="Picture 2">
+          <p:cNvPr id="4" name="Picture 3">
             <a:extLst>
               <a:ext uri="{FF2B5EF4-FFF2-40B4-BE49-F238E27FC236}">
-                <a16:creationId xmlns:a16="http://schemas.microsoft.com/office/drawing/2014/main" id="{C76385C1-6453-0EE9-4ADD-79FF6D022664}"/>
+                <a16:creationId xmlns:a16="http://schemas.microsoft.com/office/drawing/2014/main" id="{D55F2F55-1945-233C-2BB7-9E59BD81E448}"/>
               </a:ext>
             </a:extLst>
           </p:cNvPr>
@@ -6856,8 +7471,8 @@
         </p:blipFill>
         <p:spPr>
           <a:xfrm>
-            <a:off x="652555" y="2276054"/>
-            <a:ext cx="10886890" cy="3036926"/>
+            <a:off x="1309915" y="2175642"/>
+            <a:ext cx="10043885" cy="3047268"/>
           </a:xfrm>
           <a:prstGeom prst="rect">
             <a:avLst/>
@@ -6867,7 +7482,7 @@
     </p:spTree>
     <p:extLst>
       <p:ext uri="{BB962C8B-B14F-4D97-AF65-F5344CB8AC3E}">
-        <p14:creationId xmlns:p14="http://schemas.microsoft.com/office/powerpoint/2010/main" val="672502605"/>
+        <p14:creationId xmlns:p14="http://schemas.microsoft.com/office/powerpoint/2010/main" val="1633784091"/>
       </p:ext>
     </p:extLst>
   </p:cSld>
@@ -6924,108 +7539,45 @@
           <a:p>
             <a:r>
               <a:rPr lang="en-US" dirty="0"/>
-              <a:t>Max Pooling</a:t>
-            </a:r>
-          </a:p>
-        </p:txBody>
-      </p:sp>
-      <p:sp>
-        <p:nvSpPr>
-          <p:cNvPr id="4" name="TextBox 3">
+              <a:t>Convolutional Kernel</a:t>
+            </a:r>
+          </a:p>
+        </p:txBody>
+      </p:sp>
+      <p:pic>
+        <p:nvPicPr>
+          <p:cNvPr id="3" name="Picture 2">
             <a:extLst>
               <a:ext uri="{FF2B5EF4-FFF2-40B4-BE49-F238E27FC236}">
-                <a16:creationId xmlns:a16="http://schemas.microsoft.com/office/drawing/2014/main" id="{A1C4AD3B-960D-5332-E47C-E860730D9672}"/>
-              </a:ext>
-            </a:extLst>
-          </p:cNvPr>
-          <p:cNvSpPr txBox="1"/>
-          <p:nvPr/>
-        </p:nvSpPr>
-        <p:spPr>
-          <a:xfrm>
-            <a:off x="838200" y="1479716"/>
-            <a:ext cx="10290493" cy="954107"/>
-          </a:xfrm>
-          <a:prstGeom prst="rect">
-            <a:avLst/>
-          </a:prstGeom>
-          <a:noFill/>
-        </p:spPr>
-        <p:txBody>
-          <a:bodyPr wrap="square">
-            <a:spAutoFit/>
-          </a:bodyPr>
-          <a:lstStyle/>
-          <a:p>
-            <a:r>
-              <a:rPr lang="en-US" altLang="zh-CN" sz="2800" dirty="0"/>
-              <a:t>Max pooling mainly helps in extracting sharp features, and </a:t>
-            </a:r>
-            <a:r>
-              <a:rPr lang="en-US" sz="2800" b="0" i="0" u="none" strike="noStrike" dirty="0">
-                <a:solidFill>
-                  <a:srgbClr val="0C0D0E"/>
-                </a:solidFill>
-                <a:effectLst/>
-                <a:latin typeface="-apple-system"/>
-              </a:rPr>
-              <a:t>reduce model variance and computation cost</a:t>
-            </a:r>
-            <a:endParaRPr lang="en-US" altLang="zh-CN" sz="2800" dirty="0"/>
-          </a:p>
-        </p:txBody>
-      </p:sp>
-      <p:pic>
-        <p:nvPicPr>
-          <p:cNvPr id="6146" name="Picture 2" descr="CNN | Introduction to Pooling Layer - GeeksforGeeks">
-            <a:extLst>
-              <a:ext uri="{FF2B5EF4-FFF2-40B4-BE49-F238E27FC236}">
-                <a16:creationId xmlns:a16="http://schemas.microsoft.com/office/drawing/2014/main" id="{4ECD2625-D6E2-BD3A-D5CB-8531B871F5E1}"/>
+                <a16:creationId xmlns:a16="http://schemas.microsoft.com/office/drawing/2014/main" id="{C76385C1-6453-0EE9-4ADD-79FF6D022664}"/>
               </a:ext>
             </a:extLst>
           </p:cNvPr>
           <p:cNvPicPr>
-            <a:picLocks noChangeAspect="1" noChangeArrowheads="1"/>
+            <a:picLocks noChangeAspect="1"/>
           </p:cNvPicPr>
           <p:nvPr/>
         </p:nvPicPr>
         <p:blipFill>
-          <a:blip r:embed="rId3">
-            <a:extLst>
-              <a:ext uri="{28A0092B-C50C-407E-A947-70E740481C1C}">
-                <a14:useLocalDpi xmlns:a14="http://schemas.microsoft.com/office/drawing/2010/main" val="0"/>
-              </a:ext>
-            </a:extLst>
-          </a:blip>
-          <a:srcRect/>
+          <a:blip r:embed="rId3"/>
           <a:stretch>
             <a:fillRect/>
           </a:stretch>
         </p:blipFill>
-        <p:spPr bwMode="auto">
-          <a:xfrm>
-            <a:off x="980089" y="2874313"/>
-            <a:ext cx="9551276" cy="3407617"/>
+        <p:spPr>
+          <a:xfrm>
+            <a:off x="652555" y="2276054"/>
+            <a:ext cx="10886890" cy="3036926"/>
           </a:xfrm>
           <a:prstGeom prst="rect">
             <a:avLst/>
           </a:prstGeom>
-          <a:noFill/>
-          <a:extLst>
-            <a:ext uri="{909E8E84-426E-40DD-AFC4-6F175D3DCCD1}">
-              <a14:hiddenFill xmlns:a14="http://schemas.microsoft.com/office/drawing/2010/main">
-                <a:solidFill>
-                  <a:srgbClr val="FFFFFF"/>
-                </a:solidFill>
-              </a14:hiddenFill>
-            </a:ext>
-          </a:extLst>
         </p:spPr>
       </p:pic>
     </p:spTree>
     <p:extLst>
       <p:ext uri="{BB962C8B-B14F-4D97-AF65-F5344CB8AC3E}">
-        <p14:creationId xmlns:p14="http://schemas.microsoft.com/office/powerpoint/2010/main" val="3946188158"/>
+        <p14:creationId xmlns:p14="http://schemas.microsoft.com/office/powerpoint/2010/main" val="672502605"/>
       </p:ext>
     </p:extLst>
   </p:cSld>
@@ -7229,6 +7781,164 @@
           <a:p>
             <a:r>
               <a:rPr lang="en-US" dirty="0"/>
+              <a:t>Max Pooling</a:t>
+            </a:r>
+          </a:p>
+        </p:txBody>
+      </p:sp>
+      <p:sp>
+        <p:nvSpPr>
+          <p:cNvPr id="4" name="TextBox 3">
+            <a:extLst>
+              <a:ext uri="{FF2B5EF4-FFF2-40B4-BE49-F238E27FC236}">
+                <a16:creationId xmlns:a16="http://schemas.microsoft.com/office/drawing/2014/main" id="{A1C4AD3B-960D-5332-E47C-E860730D9672}"/>
+              </a:ext>
+            </a:extLst>
+          </p:cNvPr>
+          <p:cNvSpPr txBox="1"/>
+          <p:nvPr/>
+        </p:nvSpPr>
+        <p:spPr>
+          <a:xfrm>
+            <a:off x="838200" y="1479716"/>
+            <a:ext cx="10290493" cy="954107"/>
+          </a:xfrm>
+          <a:prstGeom prst="rect">
+            <a:avLst/>
+          </a:prstGeom>
+          <a:noFill/>
+        </p:spPr>
+        <p:txBody>
+          <a:bodyPr wrap="square">
+            <a:spAutoFit/>
+          </a:bodyPr>
+          <a:lstStyle/>
+          <a:p>
+            <a:r>
+              <a:rPr lang="en-US" altLang="zh-CN" sz="2800" dirty="0"/>
+              <a:t>Max pooling mainly helps in extracting sharp features, and </a:t>
+            </a:r>
+            <a:r>
+              <a:rPr lang="en-US" sz="2800" b="0" i="0" u="none" strike="noStrike" dirty="0">
+                <a:solidFill>
+                  <a:srgbClr val="0C0D0E"/>
+                </a:solidFill>
+                <a:effectLst/>
+                <a:latin typeface="-apple-system"/>
+              </a:rPr>
+              <a:t>reduce model variance and computation cost</a:t>
+            </a:r>
+            <a:endParaRPr lang="en-US" altLang="zh-CN" sz="2800" dirty="0"/>
+          </a:p>
+        </p:txBody>
+      </p:sp>
+      <p:pic>
+        <p:nvPicPr>
+          <p:cNvPr id="6146" name="Picture 2" descr="CNN | Introduction to Pooling Layer - GeeksforGeeks">
+            <a:extLst>
+              <a:ext uri="{FF2B5EF4-FFF2-40B4-BE49-F238E27FC236}">
+                <a16:creationId xmlns:a16="http://schemas.microsoft.com/office/drawing/2014/main" id="{4ECD2625-D6E2-BD3A-D5CB-8531B871F5E1}"/>
+              </a:ext>
+            </a:extLst>
+          </p:cNvPr>
+          <p:cNvPicPr>
+            <a:picLocks noChangeAspect="1" noChangeArrowheads="1"/>
+          </p:cNvPicPr>
+          <p:nvPr/>
+        </p:nvPicPr>
+        <p:blipFill>
+          <a:blip r:embed="rId3">
+            <a:extLst>
+              <a:ext uri="{28A0092B-C50C-407E-A947-70E740481C1C}">
+                <a14:useLocalDpi xmlns:a14="http://schemas.microsoft.com/office/drawing/2010/main" val="0"/>
+              </a:ext>
+            </a:extLst>
+          </a:blip>
+          <a:srcRect/>
+          <a:stretch>
+            <a:fillRect/>
+          </a:stretch>
+        </p:blipFill>
+        <p:spPr bwMode="auto">
+          <a:xfrm>
+            <a:off x="980089" y="2874313"/>
+            <a:ext cx="9551276" cy="3407617"/>
+          </a:xfrm>
+          <a:prstGeom prst="rect">
+            <a:avLst/>
+          </a:prstGeom>
+          <a:noFill/>
+          <a:extLst>
+            <a:ext uri="{909E8E84-426E-40DD-AFC4-6F175D3DCCD1}">
+              <a14:hiddenFill xmlns:a14="http://schemas.microsoft.com/office/drawing/2010/main">
+                <a:solidFill>
+                  <a:srgbClr val="FFFFFF"/>
+                </a:solidFill>
+              </a14:hiddenFill>
+            </a:ext>
+          </a:extLst>
+        </p:spPr>
+      </p:pic>
+    </p:spTree>
+    <p:extLst>
+      <p:ext uri="{BB962C8B-B14F-4D97-AF65-F5344CB8AC3E}">
+        <p14:creationId xmlns:p14="http://schemas.microsoft.com/office/powerpoint/2010/main" val="3946188158"/>
+      </p:ext>
+    </p:extLst>
+  </p:cSld>
+  <p:clrMapOvr>
+    <a:masterClrMapping/>
+  </p:clrMapOvr>
+</p:sld>
+</file>
+
+<file path=ppt/slides/slide21.xml><?xml version="1.0" encoding="utf-8"?>
+<p:sld xmlns:a="http://schemas.openxmlformats.org/drawingml/2006/main" xmlns:r="http://schemas.openxmlformats.org/officeDocument/2006/relationships" xmlns:p="http://schemas.openxmlformats.org/presentationml/2006/main">
+  <p:cSld>
+    <p:spTree>
+      <p:nvGrpSpPr>
+        <p:cNvPr id="1" name=""/>
+        <p:cNvGrpSpPr/>
+        <p:nvPr/>
+      </p:nvGrpSpPr>
+      <p:grpSpPr>
+        <a:xfrm>
+          <a:off x="0" y="0"/>
+          <a:ext cx="0" cy="0"/>
+          <a:chOff x="0" y="0"/>
+          <a:chExt cx="0" cy="0"/>
+        </a:xfrm>
+      </p:grpSpPr>
+      <p:sp>
+        <p:nvSpPr>
+          <p:cNvPr id="2" name="Title 1">
+            <a:extLst>
+              <a:ext uri="{FF2B5EF4-FFF2-40B4-BE49-F238E27FC236}">
+                <a16:creationId xmlns:a16="http://schemas.microsoft.com/office/drawing/2014/main" id="{071A5F3D-E409-40EE-2F2B-102454973604}"/>
+              </a:ext>
+            </a:extLst>
+          </p:cNvPr>
+          <p:cNvSpPr>
+            <a:spLocks noGrp="1"/>
+          </p:cNvSpPr>
+          <p:nvPr>
+            <p:ph type="title"/>
+          </p:nvPr>
+        </p:nvSpPr>
+        <p:spPr>
+          <a:xfrm>
+            <a:off x="838200" y="365126"/>
+            <a:ext cx="10515600" cy="981894"/>
+          </a:xfrm>
+        </p:spPr>
+        <p:txBody>
+          <a:bodyPr>
+            <a:normAutofit/>
+          </a:bodyPr>
+          <a:lstStyle/>
+          <a:p>
+            <a:r>
+              <a:rPr lang="en-US" dirty="0"/>
               <a:t>Avg Pooling</a:t>
             </a:r>
           </a:p>
@@ -7340,7 +8050,7 @@
 </p:sld>
 </file>
 
-<file path=ppt/slides/slide21.xml><?xml version="1.0" encoding="utf-8"?>
+<file path=ppt/slides/slide22.xml><?xml version="1.0" encoding="utf-8"?>
 <p:sld xmlns:a="http://schemas.openxmlformats.org/drawingml/2006/main" xmlns:r="http://schemas.openxmlformats.org/officeDocument/2006/relationships" xmlns:p="http://schemas.openxmlformats.org/presentationml/2006/main">
   <p:cSld>
     <p:spTree>
@@ -7452,7 +8162,7 @@
 </p:sld>
 </file>
 
-<file path=ppt/slides/slide22.xml><?xml version="1.0" encoding="utf-8"?>
+<file path=ppt/slides/slide23.xml><?xml version="1.0" encoding="utf-8"?>
 <p:sld xmlns:a="http://schemas.openxmlformats.org/drawingml/2006/main" xmlns:r="http://schemas.openxmlformats.org/officeDocument/2006/relationships" xmlns:p="http://schemas.openxmlformats.org/presentationml/2006/main">
   <p:cSld>
     <p:spTree>
@@ -7564,7 +8274,7 @@
 </p:sld>
 </file>
 
-<file path=ppt/slides/slide23.xml><?xml version="1.0" encoding="utf-8"?>
+<file path=ppt/slides/slide24.xml><?xml version="1.0" encoding="utf-8"?>
 <p:sld xmlns:a="http://schemas.openxmlformats.org/drawingml/2006/main" xmlns:r="http://schemas.openxmlformats.org/officeDocument/2006/relationships" xmlns:p="http://schemas.openxmlformats.org/presentationml/2006/main">
   <p:cSld>
     <p:spTree>
@@ -7743,7 +8453,7 @@
 </p:sld>
 </file>
 
-<file path=ppt/slides/slide24.xml><?xml version="1.0" encoding="utf-8"?>
+<file path=ppt/slides/slide25.xml><?xml version="1.0" encoding="utf-8"?>
 <p:sld xmlns:a="http://schemas.openxmlformats.org/drawingml/2006/main" xmlns:r="http://schemas.openxmlformats.org/officeDocument/2006/relationships" xmlns:p="http://schemas.openxmlformats.org/presentationml/2006/main">
   <p:cSld>
     <p:spTree>
@@ -7898,7 +8608,7 @@
 </p:sld>
 </file>
 
-<file path=ppt/slides/slide25.xml><?xml version="1.0" encoding="utf-8"?>
+<file path=ppt/slides/slide26.xml><?xml version="1.0" encoding="utf-8"?>
 <p:sld xmlns:a="http://schemas.openxmlformats.org/drawingml/2006/main" xmlns:r="http://schemas.openxmlformats.org/officeDocument/2006/relationships" xmlns:p="http://schemas.openxmlformats.org/presentationml/2006/main">
   <p:cSld>
     <p:spTree>
@@ -7939,21 +8649,366 @@
         </p:spPr>
         <p:txBody>
           <a:bodyPr>
-            <a:normAutofit fontScale="90000"/>
+            <a:normAutofit/>
           </a:bodyPr>
           <a:lstStyle/>
           <a:p>
             <a:r>
               <a:rPr lang="en-US" dirty="0"/>
-              <a:t>Document Classification: IMDB Movie Reviews </a:t>
-            </a:r>
-          </a:p>
-        </p:txBody>
-      </p:sp>
+              <a:t>Recurrent Neural Networks </a:t>
+            </a:r>
+          </a:p>
+        </p:txBody>
+      </p:sp>
+      <p:pic>
+        <p:nvPicPr>
+          <p:cNvPr id="4" name="Picture 3">
+            <a:extLst>
+              <a:ext uri="{FF2B5EF4-FFF2-40B4-BE49-F238E27FC236}">
+                <a16:creationId xmlns:a16="http://schemas.microsoft.com/office/drawing/2014/main" id="{755F3AB8-3A8A-7C74-D16F-3F964E0D959F}"/>
+              </a:ext>
+            </a:extLst>
+          </p:cNvPr>
+          <p:cNvPicPr>
+            <a:picLocks noChangeAspect="1"/>
+          </p:cNvPicPr>
+          <p:nvPr/>
+        </p:nvPicPr>
+        <p:blipFill>
+          <a:blip r:embed="rId3"/>
+          <a:stretch>
+            <a:fillRect/>
+          </a:stretch>
+        </p:blipFill>
+        <p:spPr>
+          <a:xfrm>
+            <a:off x="2024301" y="2562534"/>
+            <a:ext cx="6870702" cy="3747656"/>
+          </a:xfrm>
+          <a:prstGeom prst="rect">
+            <a:avLst/>
+          </a:prstGeom>
+        </p:spPr>
+      </p:pic>
+      <p:pic>
+        <p:nvPicPr>
+          <p:cNvPr id="5" name="Picture 4">
+            <a:extLst>
+              <a:ext uri="{FF2B5EF4-FFF2-40B4-BE49-F238E27FC236}">
+                <a16:creationId xmlns:a16="http://schemas.microsoft.com/office/drawing/2014/main" id="{C353057E-EECD-13B1-1D9F-652CCFB30B15}"/>
+              </a:ext>
+            </a:extLst>
+          </p:cNvPr>
+          <p:cNvPicPr>
+            <a:picLocks noChangeAspect="1"/>
+          </p:cNvPicPr>
+          <p:nvPr/>
+        </p:nvPicPr>
+        <p:blipFill>
+          <a:blip r:embed="rId4"/>
+          <a:stretch>
+            <a:fillRect/>
+          </a:stretch>
+        </p:blipFill>
+        <p:spPr>
+          <a:xfrm>
+            <a:off x="838200" y="1463830"/>
+            <a:ext cx="9242905" cy="981894"/>
+          </a:xfrm>
+          <a:prstGeom prst="rect">
+            <a:avLst/>
+          </a:prstGeom>
+        </p:spPr>
+      </p:pic>
     </p:spTree>
     <p:extLst>
       <p:ext uri="{BB962C8B-B14F-4D97-AF65-F5344CB8AC3E}">
         <p14:creationId xmlns:p14="http://schemas.microsoft.com/office/powerpoint/2010/main" val="1630019011"/>
+      </p:ext>
+    </p:extLst>
+  </p:cSld>
+  <p:clrMapOvr>
+    <a:masterClrMapping/>
+  </p:clrMapOvr>
+</p:sld>
+</file>
+
+<file path=ppt/slides/slide27.xml><?xml version="1.0" encoding="utf-8"?>
+<p:sld xmlns:a="http://schemas.openxmlformats.org/drawingml/2006/main" xmlns:r="http://schemas.openxmlformats.org/officeDocument/2006/relationships" xmlns:p="http://schemas.openxmlformats.org/presentationml/2006/main">
+  <p:cSld>
+    <p:spTree>
+      <p:nvGrpSpPr>
+        <p:cNvPr id="1" name=""/>
+        <p:cNvGrpSpPr/>
+        <p:nvPr/>
+      </p:nvGrpSpPr>
+      <p:grpSpPr>
+        <a:xfrm>
+          <a:off x="0" y="0"/>
+          <a:ext cx="0" cy="0"/>
+          <a:chOff x="0" y="0"/>
+          <a:chExt cx="0" cy="0"/>
+        </a:xfrm>
+      </p:grpSpPr>
+      <p:sp>
+        <p:nvSpPr>
+          <p:cNvPr id="2" name="Title 1">
+            <a:extLst>
+              <a:ext uri="{FF2B5EF4-FFF2-40B4-BE49-F238E27FC236}">
+                <a16:creationId xmlns:a16="http://schemas.microsoft.com/office/drawing/2014/main" id="{071A5F3D-E409-40EE-2F2B-102454973604}"/>
+              </a:ext>
+            </a:extLst>
+          </p:cNvPr>
+          <p:cNvSpPr>
+            <a:spLocks noGrp="1"/>
+          </p:cNvSpPr>
+          <p:nvPr>
+            <p:ph type="title"/>
+          </p:nvPr>
+        </p:nvSpPr>
+        <p:spPr>
+          <a:xfrm>
+            <a:off x="838200" y="365126"/>
+            <a:ext cx="10515600" cy="981894"/>
+          </a:xfrm>
+        </p:spPr>
+        <p:txBody>
+          <a:bodyPr>
+            <a:normAutofit/>
+          </a:bodyPr>
+          <a:lstStyle/>
+          <a:p>
+            <a:r>
+              <a:rPr lang="en-US" dirty="0"/>
+              <a:t>Recurrent Neural Networks </a:t>
+            </a:r>
+          </a:p>
+        </p:txBody>
+      </p:sp>
+      <p:pic>
+        <p:nvPicPr>
+          <p:cNvPr id="3" name="Picture 2">
+            <a:extLst>
+              <a:ext uri="{FF2B5EF4-FFF2-40B4-BE49-F238E27FC236}">
+                <a16:creationId xmlns:a16="http://schemas.microsoft.com/office/drawing/2014/main" id="{2BCF1817-FF43-6EA2-2E53-CF19544F70A2}"/>
+              </a:ext>
+            </a:extLst>
+          </p:cNvPr>
+          <p:cNvPicPr>
+            <a:picLocks noChangeAspect="1"/>
+          </p:cNvPicPr>
+          <p:nvPr/>
+        </p:nvPicPr>
+        <p:blipFill>
+          <a:blip r:embed="rId3"/>
+          <a:stretch>
+            <a:fillRect/>
+          </a:stretch>
+        </p:blipFill>
+        <p:spPr>
+          <a:xfrm>
+            <a:off x="1083128" y="1825339"/>
+            <a:ext cx="8632372" cy="4045295"/>
+          </a:xfrm>
+          <a:prstGeom prst="rect">
+            <a:avLst/>
+          </a:prstGeom>
+        </p:spPr>
+      </p:pic>
+    </p:spTree>
+    <p:extLst>
+      <p:ext uri="{BB962C8B-B14F-4D97-AF65-F5344CB8AC3E}">
+        <p14:creationId xmlns:p14="http://schemas.microsoft.com/office/powerpoint/2010/main" val="2642405994"/>
+      </p:ext>
+    </p:extLst>
+  </p:cSld>
+  <p:clrMapOvr>
+    <a:masterClrMapping/>
+  </p:clrMapOvr>
+</p:sld>
+</file>
+
+<file path=ppt/slides/slide28.xml><?xml version="1.0" encoding="utf-8"?>
+<p:sld xmlns:a="http://schemas.openxmlformats.org/drawingml/2006/main" xmlns:r="http://schemas.openxmlformats.org/officeDocument/2006/relationships" xmlns:p="http://schemas.openxmlformats.org/presentationml/2006/main">
+  <p:cSld>
+    <p:spTree>
+      <p:nvGrpSpPr>
+        <p:cNvPr id="1" name=""/>
+        <p:cNvGrpSpPr/>
+        <p:nvPr/>
+      </p:nvGrpSpPr>
+      <p:grpSpPr>
+        <a:xfrm>
+          <a:off x="0" y="0"/>
+          <a:ext cx="0" cy="0"/>
+          <a:chOff x="0" y="0"/>
+          <a:chExt cx="0" cy="0"/>
+        </a:xfrm>
+      </p:grpSpPr>
+      <p:sp>
+        <p:nvSpPr>
+          <p:cNvPr id="2" name="Title 1">
+            <a:extLst>
+              <a:ext uri="{FF2B5EF4-FFF2-40B4-BE49-F238E27FC236}">
+                <a16:creationId xmlns:a16="http://schemas.microsoft.com/office/drawing/2014/main" id="{071A5F3D-E409-40EE-2F2B-102454973604}"/>
+              </a:ext>
+            </a:extLst>
+          </p:cNvPr>
+          <p:cNvSpPr>
+            <a:spLocks noGrp="1"/>
+          </p:cNvSpPr>
+          <p:nvPr>
+            <p:ph type="title"/>
+          </p:nvPr>
+        </p:nvSpPr>
+        <p:spPr>
+          <a:xfrm>
+            <a:off x="838200" y="365126"/>
+            <a:ext cx="10515600" cy="981894"/>
+          </a:xfrm>
+        </p:spPr>
+        <p:txBody>
+          <a:bodyPr>
+            <a:normAutofit/>
+          </a:bodyPr>
+          <a:lstStyle/>
+          <a:p>
+            <a:r>
+              <a:rPr lang="en-US" dirty="0"/>
+              <a:t>Recurrent Neural Network Loss</a:t>
+            </a:r>
+          </a:p>
+        </p:txBody>
+      </p:sp>
+      <p:pic>
+        <p:nvPicPr>
+          <p:cNvPr id="4" name="Picture 3">
+            <a:extLst>
+              <a:ext uri="{FF2B5EF4-FFF2-40B4-BE49-F238E27FC236}">
+                <a16:creationId xmlns:a16="http://schemas.microsoft.com/office/drawing/2014/main" id="{7CDF4313-D722-21FE-8862-5FA9C32DF68A}"/>
+              </a:ext>
+            </a:extLst>
+          </p:cNvPr>
+          <p:cNvPicPr>
+            <a:picLocks noChangeAspect="1"/>
+          </p:cNvPicPr>
+          <p:nvPr/>
+        </p:nvPicPr>
+        <p:blipFill>
+          <a:blip r:embed="rId3"/>
+          <a:stretch>
+            <a:fillRect/>
+          </a:stretch>
+        </p:blipFill>
+        <p:spPr>
+          <a:xfrm>
+            <a:off x="998989" y="1778890"/>
+            <a:ext cx="10637029" cy="2564509"/>
+          </a:xfrm>
+          <a:prstGeom prst="rect">
+            <a:avLst/>
+          </a:prstGeom>
+        </p:spPr>
+      </p:pic>
+    </p:spTree>
+    <p:extLst>
+      <p:ext uri="{BB962C8B-B14F-4D97-AF65-F5344CB8AC3E}">
+        <p14:creationId xmlns:p14="http://schemas.microsoft.com/office/powerpoint/2010/main" val="3476684075"/>
+      </p:ext>
+    </p:extLst>
+  </p:cSld>
+  <p:clrMapOvr>
+    <a:masterClrMapping/>
+  </p:clrMapOvr>
+</p:sld>
+</file>
+
+<file path=ppt/slides/slide29.xml><?xml version="1.0" encoding="utf-8"?>
+<p:sld xmlns:a="http://schemas.openxmlformats.org/drawingml/2006/main" xmlns:r="http://schemas.openxmlformats.org/officeDocument/2006/relationships" xmlns:p="http://schemas.openxmlformats.org/presentationml/2006/main">
+  <p:cSld>
+    <p:spTree>
+      <p:nvGrpSpPr>
+        <p:cNvPr id="1" name=""/>
+        <p:cNvGrpSpPr/>
+        <p:nvPr/>
+      </p:nvGrpSpPr>
+      <p:grpSpPr>
+        <a:xfrm>
+          <a:off x="0" y="0"/>
+          <a:ext cx="0" cy="0"/>
+          <a:chOff x="0" y="0"/>
+          <a:chExt cx="0" cy="0"/>
+        </a:xfrm>
+      </p:grpSpPr>
+      <p:sp>
+        <p:nvSpPr>
+          <p:cNvPr id="2" name="Title 1">
+            <a:extLst>
+              <a:ext uri="{FF2B5EF4-FFF2-40B4-BE49-F238E27FC236}">
+                <a16:creationId xmlns:a16="http://schemas.microsoft.com/office/drawing/2014/main" id="{071A5F3D-E409-40EE-2F2B-102454973604}"/>
+              </a:ext>
+            </a:extLst>
+          </p:cNvPr>
+          <p:cNvSpPr>
+            <a:spLocks noGrp="1"/>
+          </p:cNvSpPr>
+          <p:nvPr>
+            <p:ph type="title"/>
+          </p:nvPr>
+        </p:nvSpPr>
+        <p:spPr>
+          <a:xfrm>
+            <a:off x="838200" y="365126"/>
+            <a:ext cx="10515600" cy="981894"/>
+          </a:xfrm>
+        </p:spPr>
+        <p:txBody>
+          <a:bodyPr>
+            <a:normAutofit/>
+          </a:bodyPr>
+          <a:lstStyle/>
+          <a:p>
+            <a:r>
+              <a:rPr lang="en-US" dirty="0"/>
+              <a:t>Word Embedding </a:t>
+            </a:r>
+          </a:p>
+        </p:txBody>
+      </p:sp>
+      <p:pic>
+        <p:nvPicPr>
+          <p:cNvPr id="3" name="Picture 2">
+            <a:extLst>
+              <a:ext uri="{FF2B5EF4-FFF2-40B4-BE49-F238E27FC236}">
+                <a16:creationId xmlns:a16="http://schemas.microsoft.com/office/drawing/2014/main" id="{E1F935EB-1E89-5F80-722F-888A86E2FBF2}"/>
+              </a:ext>
+            </a:extLst>
+          </p:cNvPr>
+          <p:cNvPicPr>
+            <a:picLocks noChangeAspect="1"/>
+          </p:cNvPicPr>
+          <p:nvPr/>
+        </p:nvPicPr>
+        <p:blipFill>
+          <a:blip r:embed="rId3"/>
+          <a:stretch>
+            <a:fillRect/>
+          </a:stretch>
+        </p:blipFill>
+        <p:spPr>
+          <a:xfrm>
+            <a:off x="1386114" y="1573715"/>
+            <a:ext cx="8460014" cy="4961258"/>
+          </a:xfrm>
+          <a:prstGeom prst="rect">
+            <a:avLst/>
+          </a:prstGeom>
+        </p:spPr>
+      </p:pic>
+    </p:spTree>
+    <p:extLst>
+      <p:ext uri="{BB962C8B-B14F-4D97-AF65-F5344CB8AC3E}">
+        <p14:creationId xmlns:p14="http://schemas.microsoft.com/office/powerpoint/2010/main" val="3355513868"/>
       </p:ext>
     </p:extLst>
   </p:cSld>
@@ -8142,6 +9197,323 @@
     <p:extLst>
       <p:ext uri="{BB962C8B-B14F-4D97-AF65-F5344CB8AC3E}">
         <p14:creationId xmlns:p14="http://schemas.microsoft.com/office/powerpoint/2010/main" val="1031065670"/>
+      </p:ext>
+    </p:extLst>
+  </p:cSld>
+  <p:clrMapOvr>
+    <a:masterClrMapping/>
+  </p:clrMapOvr>
+</p:sld>
+</file>
+
+<file path=ppt/slides/slide30.xml><?xml version="1.0" encoding="utf-8"?>
+<p:sld xmlns:a="http://schemas.openxmlformats.org/drawingml/2006/main" xmlns:r="http://schemas.openxmlformats.org/officeDocument/2006/relationships" xmlns:p="http://schemas.openxmlformats.org/presentationml/2006/main">
+  <p:cSld>
+    <p:spTree>
+      <p:nvGrpSpPr>
+        <p:cNvPr id="1" name=""/>
+        <p:cNvGrpSpPr/>
+        <p:nvPr/>
+      </p:nvGrpSpPr>
+      <p:grpSpPr>
+        <a:xfrm>
+          <a:off x="0" y="0"/>
+          <a:ext cx="0" cy="0"/>
+          <a:chOff x="0" y="0"/>
+          <a:chExt cx="0" cy="0"/>
+        </a:xfrm>
+      </p:grpSpPr>
+      <p:sp>
+        <p:nvSpPr>
+          <p:cNvPr id="2" name="Title 1">
+            <a:extLst>
+              <a:ext uri="{FF2B5EF4-FFF2-40B4-BE49-F238E27FC236}">
+                <a16:creationId xmlns:a16="http://schemas.microsoft.com/office/drawing/2014/main" id="{071A5F3D-E409-40EE-2F2B-102454973604}"/>
+              </a:ext>
+            </a:extLst>
+          </p:cNvPr>
+          <p:cNvSpPr>
+            <a:spLocks noGrp="1"/>
+          </p:cNvSpPr>
+          <p:nvPr>
+            <p:ph type="title"/>
+          </p:nvPr>
+        </p:nvSpPr>
+        <p:spPr>
+          <a:xfrm>
+            <a:off x="838200" y="365126"/>
+            <a:ext cx="10515600" cy="981894"/>
+          </a:xfrm>
+        </p:spPr>
+        <p:txBody>
+          <a:bodyPr>
+            <a:normAutofit/>
+          </a:bodyPr>
+          <a:lstStyle/>
+          <a:p>
+            <a:r>
+              <a:rPr lang="en-US" dirty="0"/>
+              <a:t>Transformers</a:t>
+            </a:r>
+          </a:p>
+        </p:txBody>
+      </p:sp>
+      <p:pic>
+        <p:nvPicPr>
+          <p:cNvPr id="1026" name="Picture 2" descr="How Transformers work in deep learning and NLP: an intuitive introduction |  AI Summer">
+            <a:extLst>
+              <a:ext uri="{FF2B5EF4-FFF2-40B4-BE49-F238E27FC236}">
+                <a16:creationId xmlns:a16="http://schemas.microsoft.com/office/drawing/2014/main" id="{56779EEB-5B2E-398B-15D6-3C2392F812D8}"/>
+              </a:ext>
+            </a:extLst>
+          </p:cNvPr>
+          <p:cNvPicPr>
+            <a:picLocks noChangeAspect="1" noChangeArrowheads="1"/>
+          </p:cNvPicPr>
+          <p:nvPr/>
+        </p:nvPicPr>
+        <p:blipFill>
+          <a:blip r:embed="rId3">
+            <a:extLst>
+              <a:ext uri="{28A0092B-C50C-407E-A947-70E740481C1C}">
+                <a14:useLocalDpi xmlns:a14="http://schemas.microsoft.com/office/drawing/2010/main" val="0"/>
+              </a:ext>
+            </a:extLst>
+          </a:blip>
+          <a:srcRect/>
+          <a:stretch>
+            <a:fillRect/>
+          </a:stretch>
+        </p:blipFill>
+        <p:spPr bwMode="auto">
+          <a:xfrm>
+            <a:off x="838200" y="1912824"/>
+            <a:ext cx="10811725" cy="3032351"/>
+          </a:xfrm>
+          <a:prstGeom prst="rect">
+            <a:avLst/>
+          </a:prstGeom>
+          <a:noFill/>
+          <a:extLst>
+            <a:ext uri="{909E8E84-426E-40DD-AFC4-6F175D3DCCD1}">
+              <a14:hiddenFill xmlns:a14="http://schemas.microsoft.com/office/drawing/2010/main">
+                <a:solidFill>
+                  <a:srgbClr val="FFFFFF"/>
+                </a:solidFill>
+              </a14:hiddenFill>
+            </a:ext>
+          </a:extLst>
+        </p:spPr>
+      </p:pic>
+    </p:spTree>
+    <p:extLst>
+      <p:ext uri="{BB962C8B-B14F-4D97-AF65-F5344CB8AC3E}">
+        <p14:creationId xmlns:p14="http://schemas.microsoft.com/office/powerpoint/2010/main" val="3769019249"/>
+      </p:ext>
+    </p:extLst>
+  </p:cSld>
+  <p:clrMapOvr>
+    <a:masterClrMapping/>
+  </p:clrMapOvr>
+</p:sld>
+</file>
+
+<file path=ppt/slides/slide31.xml><?xml version="1.0" encoding="utf-8"?>
+<p:sld xmlns:a="http://schemas.openxmlformats.org/drawingml/2006/main" xmlns:r="http://schemas.openxmlformats.org/officeDocument/2006/relationships" xmlns:p="http://schemas.openxmlformats.org/presentationml/2006/main">
+  <p:cSld>
+    <p:spTree>
+      <p:nvGrpSpPr>
+        <p:cNvPr id="1" name=""/>
+        <p:cNvGrpSpPr/>
+        <p:nvPr/>
+      </p:nvGrpSpPr>
+      <p:grpSpPr>
+        <a:xfrm>
+          <a:off x="0" y="0"/>
+          <a:ext cx="0" cy="0"/>
+          <a:chOff x="0" y="0"/>
+          <a:chExt cx="0" cy="0"/>
+        </a:xfrm>
+      </p:grpSpPr>
+      <p:sp>
+        <p:nvSpPr>
+          <p:cNvPr id="2" name="Title 1">
+            <a:extLst>
+              <a:ext uri="{FF2B5EF4-FFF2-40B4-BE49-F238E27FC236}">
+                <a16:creationId xmlns:a16="http://schemas.microsoft.com/office/drawing/2014/main" id="{071A5F3D-E409-40EE-2F2B-102454973604}"/>
+              </a:ext>
+            </a:extLst>
+          </p:cNvPr>
+          <p:cNvSpPr>
+            <a:spLocks noGrp="1"/>
+          </p:cNvSpPr>
+          <p:nvPr>
+            <p:ph type="title"/>
+          </p:nvPr>
+        </p:nvSpPr>
+        <p:spPr>
+          <a:xfrm>
+            <a:off x="838200" y="365126"/>
+            <a:ext cx="10515600" cy="981894"/>
+          </a:xfrm>
+        </p:spPr>
+        <p:txBody>
+          <a:bodyPr>
+            <a:normAutofit/>
+          </a:bodyPr>
+          <a:lstStyle/>
+          <a:p>
+            <a:r>
+              <a:rPr lang="en-US" dirty="0"/>
+              <a:t>Tricks of Deep Learning</a:t>
+            </a:r>
+          </a:p>
+        </p:txBody>
+      </p:sp>
+      <p:sp>
+        <p:nvSpPr>
+          <p:cNvPr id="3" name="TextBox 2">
+            <a:extLst>
+              <a:ext uri="{FF2B5EF4-FFF2-40B4-BE49-F238E27FC236}">
+                <a16:creationId xmlns:a16="http://schemas.microsoft.com/office/drawing/2014/main" id="{0C15580A-2CE0-C516-83E0-A5426DF6178C}"/>
+              </a:ext>
+            </a:extLst>
+          </p:cNvPr>
+          <p:cNvSpPr txBox="1"/>
+          <p:nvPr/>
+        </p:nvSpPr>
+        <p:spPr>
+          <a:xfrm>
+            <a:off x="957943" y="1704029"/>
+            <a:ext cx="9742714" cy="954107"/>
+          </a:xfrm>
+          <a:prstGeom prst="rect">
+            <a:avLst/>
+          </a:prstGeom>
+          <a:noFill/>
+        </p:spPr>
+        <p:txBody>
+          <a:bodyPr wrap="square">
+            <a:spAutoFit/>
+          </a:bodyPr>
+          <a:lstStyle/>
+          <a:p>
+            <a:r>
+              <a:rPr lang="en-US" altLang="zh-CN" sz="2800" dirty="0"/>
+              <a:t>Dropout: At each SGD update, randomly remove units with probability  </a:t>
+            </a:r>
+          </a:p>
+        </p:txBody>
+      </p:sp>
+      <p:sp>
+        <p:nvSpPr>
+          <p:cNvPr id="4" name="TextBox 3">
+            <a:extLst>
+              <a:ext uri="{FF2B5EF4-FFF2-40B4-BE49-F238E27FC236}">
+                <a16:creationId xmlns:a16="http://schemas.microsoft.com/office/drawing/2014/main" id="{5E4602AD-060D-3AD9-3F46-FE645896A49C}"/>
+              </a:ext>
+            </a:extLst>
+          </p:cNvPr>
+          <p:cNvSpPr txBox="1"/>
+          <p:nvPr/>
+        </p:nvSpPr>
+        <p:spPr>
+          <a:xfrm>
+            <a:off x="957943" y="3245758"/>
+            <a:ext cx="9742714" cy="523220"/>
+          </a:xfrm>
+          <a:prstGeom prst="rect">
+            <a:avLst/>
+          </a:prstGeom>
+          <a:noFill/>
+        </p:spPr>
+        <p:txBody>
+          <a:bodyPr wrap="square">
+            <a:spAutoFit/>
+          </a:bodyPr>
+          <a:lstStyle/>
+          <a:p>
+            <a:r>
+              <a:rPr lang="en-US" altLang="zh-CN" sz="2800" dirty="0"/>
+              <a:t>Regularization: Minimize L2 norm of model parameters </a:t>
+            </a:r>
+          </a:p>
+        </p:txBody>
+      </p:sp>
+      <p:sp>
+        <p:nvSpPr>
+          <p:cNvPr id="5" name="TextBox 4">
+            <a:extLst>
+              <a:ext uri="{FF2B5EF4-FFF2-40B4-BE49-F238E27FC236}">
+                <a16:creationId xmlns:a16="http://schemas.microsoft.com/office/drawing/2014/main" id="{9DB9D963-199E-7A27-B41D-28F859813F79}"/>
+              </a:ext>
+            </a:extLst>
+          </p:cNvPr>
+          <p:cNvSpPr txBox="1"/>
+          <p:nvPr/>
+        </p:nvSpPr>
+        <p:spPr>
+          <a:xfrm>
+            <a:off x="957943" y="4356600"/>
+            <a:ext cx="9742714" cy="523220"/>
+          </a:xfrm>
+          <a:prstGeom prst="rect">
+            <a:avLst/>
+          </a:prstGeom>
+          <a:noFill/>
+        </p:spPr>
+        <p:txBody>
+          <a:bodyPr wrap="square">
+            <a:spAutoFit/>
+          </a:bodyPr>
+          <a:lstStyle/>
+          <a:p>
+            <a:r>
+              <a:rPr lang="en-US" altLang="zh-CN" sz="2800" dirty="0"/>
+              <a:t>Learning Scheduler: Decay or Periodic</a:t>
+            </a:r>
+          </a:p>
+        </p:txBody>
+      </p:sp>
+      <p:sp>
+        <p:nvSpPr>
+          <p:cNvPr id="6" name="TextBox 5">
+            <a:extLst>
+              <a:ext uri="{FF2B5EF4-FFF2-40B4-BE49-F238E27FC236}">
+                <a16:creationId xmlns:a16="http://schemas.microsoft.com/office/drawing/2014/main" id="{5E1BF98B-E84F-36E6-BFA5-FB8B450DF067}"/>
+              </a:ext>
+            </a:extLst>
+          </p:cNvPr>
+          <p:cNvSpPr txBox="1"/>
+          <p:nvPr/>
+        </p:nvSpPr>
+        <p:spPr>
+          <a:xfrm>
+            <a:off x="957943" y="5467442"/>
+            <a:ext cx="9742714" cy="523220"/>
+          </a:xfrm>
+          <a:prstGeom prst="rect">
+            <a:avLst/>
+          </a:prstGeom>
+          <a:noFill/>
+        </p:spPr>
+        <p:txBody>
+          <a:bodyPr wrap="square">
+            <a:spAutoFit/>
+          </a:bodyPr>
+          <a:lstStyle/>
+          <a:p>
+            <a:r>
+              <a:rPr lang="en-US" altLang="zh-CN" sz="2800" dirty="0"/>
+              <a:t>Data Augmentation: Randomly crop the images</a:t>
+            </a:r>
+          </a:p>
+        </p:txBody>
+      </p:sp>
+    </p:spTree>
+    <p:extLst>
+      <p:ext uri="{BB962C8B-B14F-4D97-AF65-F5344CB8AC3E}">
+        <p14:creationId xmlns:p14="http://schemas.microsoft.com/office/powerpoint/2010/main" val="3040972921"/>
       </p:ext>
     </p:extLst>
   </p:cSld>

--- a/_umkc-teaching/slides/Lecture11.pptx
+++ b/_umkc-teaching/slides/Lecture11.pptx
@@ -5,7 +5,7 @@
     <p:sldMasterId id="2147483660" r:id="rId1"/>
   </p:sldMasterIdLst>
   <p:notesMasterIdLst>
-    <p:notesMasterId r:id="rId33"/>
+    <p:notesMasterId r:id="rId34"/>
   </p:notesMasterIdLst>
   <p:sldIdLst>
     <p:sldId id="257" r:id="rId2"/>
@@ -39,6 +39,7 @@
     <p:sldId id="433" r:id="rId30"/>
     <p:sldId id="435" r:id="rId31"/>
     <p:sldId id="436" r:id="rId32"/>
+    <p:sldId id="437" r:id="rId33"/>
   </p:sldIdLst>
   <p:sldSz cx="12192000" cy="6858000"/>
   <p:notesSz cx="6858000" cy="9144000"/>
@@ -2621,6 +2622,95 @@
     <p:extLst>
       <p:ext uri="{BB962C8B-B14F-4D97-AF65-F5344CB8AC3E}">
         <p14:creationId xmlns:p14="http://schemas.microsoft.com/office/powerpoint/2010/main" val="2194084272"/>
+      </p:ext>
+    </p:extLst>
+  </p:cSld>
+  <p:clrMapOvr>
+    <a:masterClrMapping/>
+  </p:clrMapOvr>
+</p:notes>
+</file>
+
+<file path=ppt/notesSlides/notesSlide31.xml><?xml version="1.0" encoding="utf-8"?>
+<p:notes xmlns:a="http://schemas.openxmlformats.org/drawingml/2006/main" xmlns:r="http://schemas.openxmlformats.org/officeDocument/2006/relationships" xmlns:p="http://schemas.openxmlformats.org/presentationml/2006/main">
+  <p:cSld>
+    <p:spTree>
+      <p:nvGrpSpPr>
+        <p:cNvPr id="1" name=""/>
+        <p:cNvGrpSpPr/>
+        <p:nvPr/>
+      </p:nvGrpSpPr>
+      <p:grpSpPr>
+        <a:xfrm>
+          <a:off x="0" y="0"/>
+          <a:ext cx="0" cy="0"/>
+          <a:chOff x="0" y="0"/>
+          <a:chExt cx="0" cy="0"/>
+        </a:xfrm>
+      </p:grpSpPr>
+      <p:sp>
+        <p:nvSpPr>
+          <p:cNvPr id="2" name="Slide Image Placeholder 1"/>
+          <p:cNvSpPr>
+            <a:spLocks noGrp="1" noRot="1" noChangeAspect="1"/>
+          </p:cNvSpPr>
+          <p:nvPr>
+            <p:ph type="sldImg"/>
+          </p:nvPr>
+        </p:nvSpPr>
+        <p:spPr>
+          <a:xfrm>
+            <a:off x="685800" y="1143000"/>
+            <a:ext cx="5486400" cy="3086100"/>
+          </a:xfrm>
+        </p:spPr>
+      </p:sp>
+      <p:sp>
+        <p:nvSpPr>
+          <p:cNvPr id="3" name="Notes Placeholder 2"/>
+          <p:cNvSpPr>
+            <a:spLocks noGrp="1"/>
+          </p:cNvSpPr>
+          <p:nvPr>
+            <p:ph type="body" idx="1"/>
+          </p:nvPr>
+        </p:nvSpPr>
+        <p:spPr/>
+        <p:txBody>
+          <a:bodyPr/>
+          <a:lstStyle/>
+          <a:p>
+            <a:endParaRPr lang="en-US" dirty="0"/>
+          </a:p>
+        </p:txBody>
+      </p:sp>
+      <p:sp>
+        <p:nvSpPr>
+          <p:cNvPr id="4" name="Slide Number Placeholder 3"/>
+          <p:cNvSpPr>
+            <a:spLocks noGrp="1"/>
+          </p:cNvSpPr>
+          <p:nvPr>
+            <p:ph type="sldNum" sz="quarter" idx="5"/>
+          </p:nvPr>
+        </p:nvSpPr>
+        <p:spPr/>
+        <p:txBody>
+          <a:bodyPr/>
+          <a:lstStyle/>
+          <a:p>
+            <a:fld id="{3F8BDF20-BE86-4883-8A23-4CE3D0058BEA}" type="slidenum">
+              <a:rPr lang="en-US" smtClean="0"/>
+              <a:t>32</a:t>
+            </a:fld>
+            <a:endParaRPr lang="en-US"/>
+          </a:p>
+        </p:txBody>
+      </p:sp>
+    </p:spTree>
+    <p:extLst>
+      <p:ext uri="{BB962C8B-B14F-4D97-AF65-F5344CB8AC3E}">
+        <p14:creationId xmlns:p14="http://schemas.microsoft.com/office/powerpoint/2010/main" val="2951078383"/>
       </p:ext>
     </p:extLst>
   </p:cSld>
@@ -9514,6 +9604,176 @@
     <p:extLst>
       <p:ext uri="{BB962C8B-B14F-4D97-AF65-F5344CB8AC3E}">
         <p14:creationId xmlns:p14="http://schemas.microsoft.com/office/powerpoint/2010/main" val="3040972921"/>
+      </p:ext>
+    </p:extLst>
+  </p:cSld>
+  <p:clrMapOvr>
+    <a:masterClrMapping/>
+  </p:clrMapOvr>
+</p:sld>
+</file>
+
+<file path=ppt/slides/slide32.xml><?xml version="1.0" encoding="utf-8"?>
+<p:sld xmlns:a="http://schemas.openxmlformats.org/drawingml/2006/main" xmlns:r="http://schemas.openxmlformats.org/officeDocument/2006/relationships" xmlns:p="http://schemas.openxmlformats.org/presentationml/2006/main">
+  <p:cSld>
+    <p:spTree>
+      <p:nvGrpSpPr>
+        <p:cNvPr id="1" name=""/>
+        <p:cNvGrpSpPr/>
+        <p:nvPr/>
+      </p:nvGrpSpPr>
+      <p:grpSpPr>
+        <a:xfrm>
+          <a:off x="0" y="0"/>
+          <a:ext cx="0" cy="0"/>
+          <a:chOff x="0" y="0"/>
+          <a:chExt cx="0" cy="0"/>
+        </a:xfrm>
+      </p:grpSpPr>
+      <p:sp>
+        <p:nvSpPr>
+          <p:cNvPr id="2" name="Title 1">
+            <a:extLst>
+              <a:ext uri="{FF2B5EF4-FFF2-40B4-BE49-F238E27FC236}">
+                <a16:creationId xmlns:a16="http://schemas.microsoft.com/office/drawing/2014/main" id="{071A5F3D-E409-40EE-2F2B-102454973604}"/>
+              </a:ext>
+            </a:extLst>
+          </p:cNvPr>
+          <p:cNvSpPr>
+            <a:spLocks noGrp="1"/>
+          </p:cNvSpPr>
+          <p:nvPr>
+            <p:ph type="title"/>
+          </p:nvPr>
+        </p:nvSpPr>
+        <p:spPr>
+          <a:xfrm>
+            <a:off x="838200" y="365126"/>
+            <a:ext cx="10515600" cy="981894"/>
+          </a:xfrm>
+        </p:spPr>
+        <p:txBody>
+          <a:bodyPr>
+            <a:normAutofit/>
+          </a:bodyPr>
+          <a:lstStyle/>
+          <a:p>
+            <a:r>
+              <a:rPr lang="en-US" dirty="0"/>
+              <a:t>Schedule of Group Project</a:t>
+            </a:r>
+          </a:p>
+        </p:txBody>
+      </p:sp>
+      <p:sp>
+        <p:nvSpPr>
+          <p:cNvPr id="3" name="TextBox 2">
+            <a:extLst>
+              <a:ext uri="{FF2B5EF4-FFF2-40B4-BE49-F238E27FC236}">
+                <a16:creationId xmlns:a16="http://schemas.microsoft.com/office/drawing/2014/main" id="{0C15580A-2CE0-C516-83E0-A5426DF6178C}"/>
+              </a:ext>
+            </a:extLst>
+          </p:cNvPr>
+          <p:cNvSpPr txBox="1"/>
+          <p:nvPr/>
+        </p:nvSpPr>
+        <p:spPr>
+          <a:xfrm>
+            <a:off x="957943" y="2068400"/>
+            <a:ext cx="9742714" cy="523220"/>
+          </a:xfrm>
+          <a:prstGeom prst="rect">
+            <a:avLst/>
+          </a:prstGeom>
+          <a:noFill/>
+        </p:spPr>
+        <p:txBody>
+          <a:bodyPr wrap="square">
+            <a:spAutoFit/>
+          </a:bodyPr>
+          <a:lstStyle/>
+          <a:p>
+            <a:r>
+              <a:rPr lang="en-US" altLang="zh-CN" sz="2800" dirty="0"/>
+              <a:t>Nov. 30: Group 1-6 (10-12 minutes)</a:t>
+            </a:r>
+          </a:p>
+        </p:txBody>
+      </p:sp>
+      <p:sp>
+        <p:nvSpPr>
+          <p:cNvPr id="7" name="TextBox 6">
+            <a:extLst>
+              <a:ext uri="{FF2B5EF4-FFF2-40B4-BE49-F238E27FC236}">
+                <a16:creationId xmlns:a16="http://schemas.microsoft.com/office/drawing/2014/main" id="{D7EF118E-FBE8-3E00-CF2A-E8B0EB9713EB}"/>
+              </a:ext>
+            </a:extLst>
+          </p:cNvPr>
+          <p:cNvSpPr txBox="1"/>
+          <p:nvPr/>
+        </p:nvSpPr>
+        <p:spPr>
+          <a:xfrm>
+            <a:off x="957943" y="3313000"/>
+            <a:ext cx="9742714" cy="523220"/>
+          </a:xfrm>
+          <a:prstGeom prst="rect">
+            <a:avLst/>
+          </a:prstGeom>
+          <a:noFill/>
+        </p:spPr>
+        <p:txBody>
+          <a:bodyPr wrap="square">
+            <a:spAutoFit/>
+          </a:bodyPr>
+          <a:lstStyle/>
+          <a:p>
+            <a:r>
+              <a:rPr lang="en-US" altLang="zh-CN" sz="2800" dirty="0"/>
+              <a:t>Dec. 5: Group 7-12 (10-12 minutes)</a:t>
+            </a:r>
+          </a:p>
+        </p:txBody>
+      </p:sp>
+      <p:sp>
+        <p:nvSpPr>
+          <p:cNvPr id="8" name="TextBox 7">
+            <a:extLst>
+              <a:ext uri="{FF2B5EF4-FFF2-40B4-BE49-F238E27FC236}">
+                <a16:creationId xmlns:a16="http://schemas.microsoft.com/office/drawing/2014/main" id="{E2673151-E690-0474-1A06-839DB53573A4}"/>
+              </a:ext>
+            </a:extLst>
+          </p:cNvPr>
+          <p:cNvSpPr txBox="1"/>
+          <p:nvPr/>
+        </p:nvSpPr>
+        <p:spPr>
+          <a:xfrm>
+            <a:off x="957943" y="4557600"/>
+            <a:ext cx="9742714" cy="523220"/>
+          </a:xfrm>
+          <a:prstGeom prst="rect">
+            <a:avLst/>
+          </a:prstGeom>
+          <a:noFill/>
+        </p:spPr>
+        <p:txBody>
+          <a:bodyPr wrap="square">
+            <a:spAutoFit/>
+          </a:bodyPr>
+          <a:lstStyle/>
+          <a:p>
+            <a:r>
+              <a:rPr lang="en-US" altLang="zh-CN" sz="2800" dirty="0"/>
+              <a:t>Dec. 7: Review + (Remaining groups)</a:t>
+            </a:r>
+          </a:p>
+        </p:txBody>
+      </p:sp>
+    </p:spTree>
+    <p:extLst>
+      <p:ext uri="{BB962C8B-B14F-4D97-AF65-F5344CB8AC3E}">
+        <p14:creationId xmlns:p14="http://schemas.microsoft.com/office/powerpoint/2010/main" val="2560992769"/>
       </p:ext>
     </p:extLst>
   </p:cSld>
